--- a/eslint-talk.pptx
+++ b/eslint-talk.pptx
@@ -71,8 +71,8 @@
         </p:nvSpPr>
         <p:spPr>
           <a:xfrm>
-            <a:off x="504000" y="72000"/>
-            <a:ext cx="9071280" cy="863640"/>
+            <a:off x="504000" y="301320"/>
+            <a:ext cx="9072000" cy="1261800"/>
           </a:xfrm>
           <a:prstGeom prst="rect">
             <a:avLst/>
@@ -102,8 +102,8 @@
         </p:nvSpPr>
         <p:spPr>
           <a:xfrm>
-            <a:off x="504000" y="1769040"/>
-            <a:ext cx="9071280" cy="2091240"/>
+            <a:off x="504000" y="1768680"/>
+            <a:ext cx="9072000" cy="2090880"/>
           </a:xfrm>
           <a:prstGeom prst="rect">
             <a:avLst/>
@@ -132,8 +132,8 @@
         </p:nvSpPr>
         <p:spPr>
           <a:xfrm>
-            <a:off x="504000" y="4059360"/>
-            <a:ext cx="9071280" cy="2091240"/>
+            <a:off x="504000" y="4058640"/>
+            <a:ext cx="9072000" cy="2090880"/>
           </a:xfrm>
           <a:prstGeom prst="rect">
             <a:avLst/>
@@ -184,8 +184,8 @@
         </p:nvSpPr>
         <p:spPr>
           <a:xfrm>
-            <a:off x="504000" y="72000"/>
-            <a:ext cx="9071280" cy="863640"/>
+            <a:off x="504000" y="301320"/>
+            <a:ext cx="9072000" cy="1261800"/>
           </a:xfrm>
           <a:prstGeom prst="rect">
             <a:avLst/>
@@ -215,8 +215,8 @@
         </p:nvSpPr>
         <p:spPr>
           <a:xfrm>
-            <a:off x="504000" y="1769040"/>
-            <a:ext cx="4426560" cy="2091240"/>
+            <a:off x="504000" y="1768680"/>
+            <a:ext cx="4426920" cy="2090880"/>
           </a:xfrm>
           <a:prstGeom prst="rect">
             <a:avLst/>
@@ -245,8 +245,8 @@
         </p:nvSpPr>
         <p:spPr>
           <a:xfrm>
-            <a:off x="5152320" y="1769040"/>
-            <a:ext cx="4426560" cy="2091240"/>
+            <a:off x="5152680" y="1768680"/>
+            <a:ext cx="4426920" cy="2090880"/>
           </a:xfrm>
           <a:prstGeom prst="rect">
             <a:avLst/>
@@ -275,8 +275,8 @@
         </p:nvSpPr>
         <p:spPr>
           <a:xfrm>
-            <a:off x="504000" y="4059360"/>
-            <a:ext cx="4426560" cy="2091240"/>
+            <a:off x="504000" y="4058640"/>
+            <a:ext cx="4426920" cy="2090880"/>
           </a:xfrm>
           <a:prstGeom prst="rect">
             <a:avLst/>
@@ -305,8 +305,8 @@
         </p:nvSpPr>
         <p:spPr>
           <a:xfrm>
-            <a:off x="5152320" y="4059360"/>
-            <a:ext cx="4426560" cy="2091240"/>
+            <a:off x="5152680" y="4058640"/>
+            <a:ext cx="4426920" cy="2090880"/>
           </a:xfrm>
           <a:prstGeom prst="rect">
             <a:avLst/>
@@ -357,8 +357,8 @@
         </p:nvSpPr>
         <p:spPr>
           <a:xfrm>
-            <a:off x="504000" y="72000"/>
-            <a:ext cx="9071280" cy="863640"/>
+            <a:off x="504000" y="301320"/>
+            <a:ext cx="9072000" cy="1261800"/>
           </a:xfrm>
           <a:prstGeom prst="rect">
             <a:avLst/>
@@ -388,8 +388,8 @@
         </p:nvSpPr>
         <p:spPr>
           <a:xfrm>
-            <a:off x="504000" y="1769040"/>
-            <a:ext cx="2920680" cy="2091240"/>
+            <a:off x="504000" y="1768680"/>
+            <a:ext cx="2921040" cy="2090880"/>
           </a:xfrm>
           <a:prstGeom prst="rect">
             <a:avLst/>
@@ -418,8 +418,8 @@
         </p:nvSpPr>
         <p:spPr>
           <a:xfrm>
-            <a:off x="3571200" y="1769040"/>
-            <a:ext cx="2920680" cy="2091240"/>
+            <a:off x="3571560" y="1768680"/>
+            <a:ext cx="2921040" cy="2090880"/>
           </a:xfrm>
           <a:prstGeom prst="rect">
             <a:avLst/>
@@ -448,8 +448,8 @@
         </p:nvSpPr>
         <p:spPr>
           <a:xfrm>
-            <a:off x="6638040" y="1769040"/>
-            <a:ext cx="2920680" cy="2091240"/>
+            <a:off x="6639120" y="1768680"/>
+            <a:ext cx="2921040" cy="2090880"/>
           </a:xfrm>
           <a:prstGeom prst="rect">
             <a:avLst/>
@@ -478,8 +478,8 @@
         </p:nvSpPr>
         <p:spPr>
           <a:xfrm>
-            <a:off x="504000" y="4059360"/>
-            <a:ext cx="2920680" cy="2091240"/>
+            <a:off x="504000" y="4058640"/>
+            <a:ext cx="2921040" cy="2090880"/>
           </a:xfrm>
           <a:prstGeom prst="rect">
             <a:avLst/>
@@ -508,8 +508,8 @@
         </p:nvSpPr>
         <p:spPr>
           <a:xfrm>
-            <a:off x="3571200" y="4059360"/>
-            <a:ext cx="2920680" cy="2091240"/>
+            <a:off x="3571560" y="4058640"/>
+            <a:ext cx="2921040" cy="2090880"/>
           </a:xfrm>
           <a:prstGeom prst="rect">
             <a:avLst/>
@@ -538,8 +538,8 @@
         </p:nvSpPr>
         <p:spPr>
           <a:xfrm>
-            <a:off x="6638040" y="4059360"/>
-            <a:ext cx="2920680" cy="2091240"/>
+            <a:off x="6639120" y="4058640"/>
+            <a:ext cx="2921040" cy="2090880"/>
           </a:xfrm>
           <a:prstGeom prst="rect">
             <a:avLst/>
@@ -612,8 +612,8 @@
         </p:nvSpPr>
         <p:spPr>
           <a:xfrm>
-            <a:off x="504000" y="72000"/>
-            <a:ext cx="9071280" cy="863640"/>
+            <a:off x="504000" y="301320"/>
+            <a:ext cx="9072000" cy="1261800"/>
           </a:xfrm>
           <a:prstGeom prst="rect">
             <a:avLst/>
@@ -643,8 +643,8 @@
         </p:nvSpPr>
         <p:spPr>
           <a:xfrm>
-            <a:off x="504000" y="1769040"/>
-            <a:ext cx="9071280" cy="4384440"/>
+            <a:off x="504000" y="1768680"/>
+            <a:ext cx="9072000" cy="4384080"/>
           </a:xfrm>
           <a:prstGeom prst="rect">
             <a:avLst/>
@@ -696,8 +696,8 @@
         </p:nvSpPr>
         <p:spPr>
           <a:xfrm>
-            <a:off x="504000" y="72000"/>
-            <a:ext cx="9071280" cy="863640"/>
+            <a:off x="504000" y="301320"/>
+            <a:ext cx="9072000" cy="1261800"/>
           </a:xfrm>
           <a:prstGeom prst="rect">
             <a:avLst/>
@@ -727,8 +727,8 @@
         </p:nvSpPr>
         <p:spPr>
           <a:xfrm>
-            <a:off x="504000" y="1769040"/>
-            <a:ext cx="9071280" cy="4384440"/>
+            <a:off x="504000" y="1768680"/>
+            <a:ext cx="9072000" cy="4384080"/>
           </a:xfrm>
           <a:prstGeom prst="rect">
             <a:avLst/>
@@ -779,8 +779,8 @@
         </p:nvSpPr>
         <p:spPr>
           <a:xfrm>
-            <a:off x="504000" y="72000"/>
-            <a:ext cx="9071280" cy="863640"/>
+            <a:off x="504000" y="301320"/>
+            <a:ext cx="9072000" cy="1261800"/>
           </a:xfrm>
           <a:prstGeom prst="rect">
             <a:avLst/>
@@ -810,8 +810,8 @@
         </p:nvSpPr>
         <p:spPr>
           <a:xfrm>
-            <a:off x="504000" y="1769040"/>
-            <a:ext cx="4426560" cy="4384440"/>
+            <a:off x="504000" y="1768680"/>
+            <a:ext cx="4426920" cy="4384080"/>
           </a:xfrm>
           <a:prstGeom prst="rect">
             <a:avLst/>
@@ -840,8 +840,8 @@
         </p:nvSpPr>
         <p:spPr>
           <a:xfrm>
-            <a:off x="5152320" y="1769040"/>
-            <a:ext cx="4426560" cy="4384440"/>
+            <a:off x="5152680" y="1768680"/>
+            <a:ext cx="4426920" cy="4384080"/>
           </a:xfrm>
           <a:prstGeom prst="rect">
             <a:avLst/>
@@ -892,8 +892,8 @@
         </p:nvSpPr>
         <p:spPr>
           <a:xfrm>
-            <a:off x="504000" y="72000"/>
-            <a:ext cx="9071280" cy="863640"/>
+            <a:off x="504000" y="301320"/>
+            <a:ext cx="9072000" cy="1261800"/>
           </a:xfrm>
           <a:prstGeom prst="rect">
             <a:avLst/>
@@ -945,8 +945,8 @@
         </p:nvSpPr>
         <p:spPr>
           <a:xfrm>
-            <a:off x="504000" y="72000"/>
-            <a:ext cx="9071280" cy="4004640"/>
+            <a:off x="504000" y="301320"/>
+            <a:ext cx="9072000" cy="5850360"/>
           </a:xfrm>
           <a:prstGeom prst="rect">
             <a:avLst/>
@@ -998,8 +998,8 @@
         </p:nvSpPr>
         <p:spPr>
           <a:xfrm>
-            <a:off x="504000" y="72000"/>
-            <a:ext cx="9071280" cy="863640"/>
+            <a:off x="504000" y="301320"/>
+            <a:ext cx="9072000" cy="1261800"/>
           </a:xfrm>
           <a:prstGeom prst="rect">
             <a:avLst/>
@@ -1029,8 +1029,8 @@
         </p:nvSpPr>
         <p:spPr>
           <a:xfrm>
-            <a:off x="504000" y="1769040"/>
-            <a:ext cx="4426560" cy="2091240"/>
+            <a:off x="504000" y="1768680"/>
+            <a:ext cx="4426920" cy="2090880"/>
           </a:xfrm>
           <a:prstGeom prst="rect">
             <a:avLst/>
@@ -1059,8 +1059,8 @@
         </p:nvSpPr>
         <p:spPr>
           <a:xfrm>
-            <a:off x="5152320" y="1769040"/>
-            <a:ext cx="4426560" cy="4384440"/>
+            <a:off x="5152680" y="1768680"/>
+            <a:ext cx="4426920" cy="4384080"/>
           </a:xfrm>
           <a:prstGeom prst="rect">
             <a:avLst/>
@@ -1089,8 +1089,8 @@
         </p:nvSpPr>
         <p:spPr>
           <a:xfrm>
-            <a:off x="504000" y="4059360"/>
-            <a:ext cx="4426560" cy="2091240"/>
+            <a:off x="504000" y="4058640"/>
+            <a:ext cx="4426920" cy="2090880"/>
           </a:xfrm>
           <a:prstGeom prst="rect">
             <a:avLst/>
@@ -1141,8 +1141,8 @@
         </p:nvSpPr>
         <p:spPr>
           <a:xfrm>
-            <a:off x="504000" y="72000"/>
-            <a:ext cx="9071280" cy="863640"/>
+            <a:off x="504000" y="301320"/>
+            <a:ext cx="9072000" cy="1261800"/>
           </a:xfrm>
           <a:prstGeom prst="rect">
             <a:avLst/>
@@ -1172,8 +1172,8 @@
         </p:nvSpPr>
         <p:spPr>
           <a:xfrm>
-            <a:off x="504000" y="1769040"/>
-            <a:ext cx="9071280" cy="4384440"/>
+            <a:off x="504000" y="1768680"/>
+            <a:ext cx="9072000" cy="4384080"/>
           </a:xfrm>
           <a:prstGeom prst="rect">
             <a:avLst/>
@@ -1225,8 +1225,8 @@
         </p:nvSpPr>
         <p:spPr>
           <a:xfrm>
-            <a:off x="504000" y="72000"/>
-            <a:ext cx="9071280" cy="863640"/>
+            <a:off x="504000" y="301320"/>
+            <a:ext cx="9072000" cy="1261800"/>
           </a:xfrm>
           <a:prstGeom prst="rect">
             <a:avLst/>
@@ -1256,8 +1256,8 @@
         </p:nvSpPr>
         <p:spPr>
           <a:xfrm>
-            <a:off x="504000" y="1769040"/>
-            <a:ext cx="4426560" cy="4384440"/>
+            <a:off x="504000" y="1768680"/>
+            <a:ext cx="4426920" cy="4384080"/>
           </a:xfrm>
           <a:prstGeom prst="rect">
             <a:avLst/>
@@ -1286,8 +1286,8 @@
         </p:nvSpPr>
         <p:spPr>
           <a:xfrm>
-            <a:off x="5152320" y="1769040"/>
-            <a:ext cx="4426560" cy="2091240"/>
+            <a:off x="5152680" y="1768680"/>
+            <a:ext cx="4426920" cy="2090880"/>
           </a:xfrm>
           <a:prstGeom prst="rect">
             <a:avLst/>
@@ -1316,8 +1316,8 @@
         </p:nvSpPr>
         <p:spPr>
           <a:xfrm>
-            <a:off x="5152320" y="4059360"/>
-            <a:ext cx="4426560" cy="2091240"/>
+            <a:off x="5152680" y="4058640"/>
+            <a:ext cx="4426920" cy="2090880"/>
           </a:xfrm>
           <a:prstGeom prst="rect">
             <a:avLst/>
@@ -1368,8 +1368,8 @@
         </p:nvSpPr>
         <p:spPr>
           <a:xfrm>
-            <a:off x="504000" y="72000"/>
-            <a:ext cx="9071280" cy="863640"/>
+            <a:off x="504000" y="301320"/>
+            <a:ext cx="9072000" cy="1261800"/>
           </a:xfrm>
           <a:prstGeom prst="rect">
             <a:avLst/>
@@ -1399,8 +1399,8 @@
         </p:nvSpPr>
         <p:spPr>
           <a:xfrm>
-            <a:off x="504000" y="1769040"/>
-            <a:ext cx="4426560" cy="2091240"/>
+            <a:off x="504000" y="1768680"/>
+            <a:ext cx="4426920" cy="2090880"/>
           </a:xfrm>
           <a:prstGeom prst="rect">
             <a:avLst/>
@@ -1429,8 +1429,8 @@
         </p:nvSpPr>
         <p:spPr>
           <a:xfrm>
-            <a:off x="5152320" y="1769040"/>
-            <a:ext cx="4426560" cy="2091240"/>
+            <a:off x="5152680" y="1768680"/>
+            <a:ext cx="4426920" cy="2090880"/>
           </a:xfrm>
           <a:prstGeom prst="rect">
             <a:avLst/>
@@ -1459,8 +1459,8 @@
         </p:nvSpPr>
         <p:spPr>
           <a:xfrm>
-            <a:off x="504000" y="4059360"/>
-            <a:ext cx="9071280" cy="2091240"/>
+            <a:off x="504000" y="4058640"/>
+            <a:ext cx="9072000" cy="2090880"/>
           </a:xfrm>
           <a:prstGeom prst="rect">
             <a:avLst/>
@@ -1511,8 +1511,8 @@
         </p:nvSpPr>
         <p:spPr>
           <a:xfrm>
-            <a:off x="504000" y="72000"/>
-            <a:ext cx="9071280" cy="863640"/>
+            <a:off x="504000" y="301320"/>
+            <a:ext cx="9072000" cy="1261800"/>
           </a:xfrm>
           <a:prstGeom prst="rect">
             <a:avLst/>
@@ -1542,8 +1542,8 @@
         </p:nvSpPr>
         <p:spPr>
           <a:xfrm>
-            <a:off x="504000" y="1769040"/>
-            <a:ext cx="9071280" cy="2091240"/>
+            <a:off x="504000" y="1768680"/>
+            <a:ext cx="9072000" cy="2090880"/>
           </a:xfrm>
           <a:prstGeom prst="rect">
             <a:avLst/>
@@ -1572,8 +1572,8 @@
         </p:nvSpPr>
         <p:spPr>
           <a:xfrm>
-            <a:off x="504000" y="4059360"/>
-            <a:ext cx="9071280" cy="2091240"/>
+            <a:off x="504000" y="4058640"/>
+            <a:ext cx="9072000" cy="2090880"/>
           </a:xfrm>
           <a:prstGeom prst="rect">
             <a:avLst/>
@@ -1624,8 +1624,8 @@
         </p:nvSpPr>
         <p:spPr>
           <a:xfrm>
-            <a:off x="504000" y="72000"/>
-            <a:ext cx="9071280" cy="863640"/>
+            <a:off x="504000" y="301320"/>
+            <a:ext cx="9072000" cy="1261800"/>
           </a:xfrm>
           <a:prstGeom prst="rect">
             <a:avLst/>
@@ -1655,8 +1655,8 @@
         </p:nvSpPr>
         <p:spPr>
           <a:xfrm>
-            <a:off x="504000" y="1769040"/>
-            <a:ext cx="4426560" cy="2091240"/>
+            <a:off x="504000" y="1768680"/>
+            <a:ext cx="4426920" cy="2090880"/>
           </a:xfrm>
           <a:prstGeom prst="rect">
             <a:avLst/>
@@ -1685,8 +1685,8 @@
         </p:nvSpPr>
         <p:spPr>
           <a:xfrm>
-            <a:off x="5152320" y="1769040"/>
-            <a:ext cx="4426560" cy="2091240"/>
+            <a:off x="5152680" y="1768680"/>
+            <a:ext cx="4426920" cy="2090880"/>
           </a:xfrm>
           <a:prstGeom prst="rect">
             <a:avLst/>
@@ -1715,8 +1715,8 @@
         </p:nvSpPr>
         <p:spPr>
           <a:xfrm>
-            <a:off x="504000" y="4059360"/>
-            <a:ext cx="4426560" cy="2091240"/>
+            <a:off x="504000" y="4058640"/>
+            <a:ext cx="4426920" cy="2090880"/>
           </a:xfrm>
           <a:prstGeom prst="rect">
             <a:avLst/>
@@ -1745,8 +1745,8 @@
         </p:nvSpPr>
         <p:spPr>
           <a:xfrm>
-            <a:off x="5152320" y="4059360"/>
-            <a:ext cx="4426560" cy="2091240"/>
+            <a:off x="5152680" y="4058640"/>
+            <a:ext cx="4426920" cy="2090880"/>
           </a:xfrm>
           <a:prstGeom prst="rect">
             <a:avLst/>
@@ -1797,8 +1797,8 @@
         </p:nvSpPr>
         <p:spPr>
           <a:xfrm>
-            <a:off x="504000" y="72000"/>
-            <a:ext cx="9071280" cy="863640"/>
+            <a:off x="504000" y="301320"/>
+            <a:ext cx="9072000" cy="1261800"/>
           </a:xfrm>
           <a:prstGeom prst="rect">
             <a:avLst/>
@@ -1828,8 +1828,8 @@
         </p:nvSpPr>
         <p:spPr>
           <a:xfrm>
-            <a:off x="504000" y="1769040"/>
-            <a:ext cx="2920680" cy="2091240"/>
+            <a:off x="504000" y="1768680"/>
+            <a:ext cx="2921040" cy="2090880"/>
           </a:xfrm>
           <a:prstGeom prst="rect">
             <a:avLst/>
@@ -1858,8 +1858,8 @@
         </p:nvSpPr>
         <p:spPr>
           <a:xfrm>
-            <a:off x="3571200" y="1769040"/>
-            <a:ext cx="2920680" cy="2091240"/>
+            <a:off x="3571560" y="1768680"/>
+            <a:ext cx="2921040" cy="2090880"/>
           </a:xfrm>
           <a:prstGeom prst="rect">
             <a:avLst/>
@@ -1888,8 +1888,8 @@
         </p:nvSpPr>
         <p:spPr>
           <a:xfrm>
-            <a:off x="6638040" y="1769040"/>
-            <a:ext cx="2920680" cy="2091240"/>
+            <a:off x="6639120" y="1768680"/>
+            <a:ext cx="2921040" cy="2090880"/>
           </a:xfrm>
           <a:prstGeom prst="rect">
             <a:avLst/>
@@ -1918,8 +1918,8 @@
         </p:nvSpPr>
         <p:spPr>
           <a:xfrm>
-            <a:off x="504000" y="4059360"/>
-            <a:ext cx="2920680" cy="2091240"/>
+            <a:off x="504000" y="4058640"/>
+            <a:ext cx="2921040" cy="2090880"/>
           </a:xfrm>
           <a:prstGeom prst="rect">
             <a:avLst/>
@@ -1948,8 +1948,8 @@
         </p:nvSpPr>
         <p:spPr>
           <a:xfrm>
-            <a:off x="3571200" y="4059360"/>
-            <a:ext cx="2920680" cy="2091240"/>
+            <a:off x="3571560" y="4058640"/>
+            <a:ext cx="2921040" cy="2090880"/>
           </a:xfrm>
           <a:prstGeom prst="rect">
             <a:avLst/>
@@ -1978,8 +1978,8 @@
         </p:nvSpPr>
         <p:spPr>
           <a:xfrm>
-            <a:off x="6638040" y="4059360"/>
-            <a:ext cx="2920680" cy="2091240"/>
+            <a:off x="6639120" y="4058640"/>
+            <a:ext cx="2921040" cy="2090880"/>
           </a:xfrm>
           <a:prstGeom prst="rect">
             <a:avLst/>
@@ -2030,8 +2030,8 @@
         </p:nvSpPr>
         <p:spPr>
           <a:xfrm>
-            <a:off x="504000" y="72000"/>
-            <a:ext cx="9071280" cy="863640"/>
+            <a:off x="504000" y="301320"/>
+            <a:ext cx="9072000" cy="1261800"/>
           </a:xfrm>
           <a:prstGeom prst="rect">
             <a:avLst/>
@@ -2061,8 +2061,8 @@
         </p:nvSpPr>
         <p:spPr>
           <a:xfrm>
-            <a:off x="504000" y="1769040"/>
-            <a:ext cx="9071280" cy="4384440"/>
+            <a:off x="504000" y="1768680"/>
+            <a:ext cx="9072000" cy="4384080"/>
           </a:xfrm>
           <a:prstGeom prst="rect">
             <a:avLst/>
@@ -2113,8 +2113,8 @@
         </p:nvSpPr>
         <p:spPr>
           <a:xfrm>
-            <a:off x="504000" y="72000"/>
-            <a:ext cx="9071280" cy="863640"/>
+            <a:off x="504000" y="301320"/>
+            <a:ext cx="9072000" cy="1261800"/>
           </a:xfrm>
           <a:prstGeom prst="rect">
             <a:avLst/>
@@ -2144,8 +2144,8 @@
         </p:nvSpPr>
         <p:spPr>
           <a:xfrm>
-            <a:off x="504000" y="1769040"/>
-            <a:ext cx="4426560" cy="4384440"/>
+            <a:off x="504000" y="1768680"/>
+            <a:ext cx="4426920" cy="4384080"/>
           </a:xfrm>
           <a:prstGeom prst="rect">
             <a:avLst/>
@@ -2174,8 +2174,8 @@
         </p:nvSpPr>
         <p:spPr>
           <a:xfrm>
-            <a:off x="5152320" y="1769040"/>
-            <a:ext cx="4426560" cy="4384440"/>
+            <a:off x="5152680" y="1768680"/>
+            <a:ext cx="4426920" cy="4384080"/>
           </a:xfrm>
           <a:prstGeom prst="rect">
             <a:avLst/>
@@ -2226,8 +2226,8 @@
         </p:nvSpPr>
         <p:spPr>
           <a:xfrm>
-            <a:off x="504000" y="72000"/>
-            <a:ext cx="9071280" cy="863640"/>
+            <a:off x="504000" y="301320"/>
+            <a:ext cx="9072000" cy="1261800"/>
           </a:xfrm>
           <a:prstGeom prst="rect">
             <a:avLst/>
@@ -2279,8 +2279,8 @@
         </p:nvSpPr>
         <p:spPr>
           <a:xfrm>
-            <a:off x="504000" y="72000"/>
-            <a:ext cx="9071280" cy="4004640"/>
+            <a:off x="504000" y="301320"/>
+            <a:ext cx="9072000" cy="5850360"/>
           </a:xfrm>
           <a:prstGeom prst="rect">
             <a:avLst/>
@@ -2332,8 +2332,8 @@
         </p:nvSpPr>
         <p:spPr>
           <a:xfrm>
-            <a:off x="504000" y="72000"/>
-            <a:ext cx="9071280" cy="863640"/>
+            <a:off x="504000" y="301320"/>
+            <a:ext cx="9072000" cy="1261800"/>
           </a:xfrm>
           <a:prstGeom prst="rect">
             <a:avLst/>
@@ -2363,8 +2363,8 @@
         </p:nvSpPr>
         <p:spPr>
           <a:xfrm>
-            <a:off x="504000" y="1769040"/>
-            <a:ext cx="4426560" cy="2091240"/>
+            <a:off x="504000" y="1768680"/>
+            <a:ext cx="4426920" cy="2090880"/>
           </a:xfrm>
           <a:prstGeom prst="rect">
             <a:avLst/>
@@ -2393,8 +2393,8 @@
         </p:nvSpPr>
         <p:spPr>
           <a:xfrm>
-            <a:off x="5152320" y="1769040"/>
-            <a:ext cx="4426560" cy="4384440"/>
+            <a:off x="5152680" y="1768680"/>
+            <a:ext cx="4426920" cy="4384080"/>
           </a:xfrm>
           <a:prstGeom prst="rect">
             <a:avLst/>
@@ -2423,8 +2423,8 @@
         </p:nvSpPr>
         <p:spPr>
           <a:xfrm>
-            <a:off x="504000" y="4059360"/>
-            <a:ext cx="4426560" cy="2091240"/>
+            <a:off x="504000" y="4058640"/>
+            <a:ext cx="4426920" cy="2090880"/>
           </a:xfrm>
           <a:prstGeom prst="rect">
             <a:avLst/>
@@ -2475,8 +2475,8 @@
         </p:nvSpPr>
         <p:spPr>
           <a:xfrm>
-            <a:off x="504000" y="72000"/>
-            <a:ext cx="9071280" cy="863640"/>
+            <a:off x="504000" y="301320"/>
+            <a:ext cx="9072000" cy="1261800"/>
           </a:xfrm>
           <a:prstGeom prst="rect">
             <a:avLst/>
@@ -2506,8 +2506,8 @@
         </p:nvSpPr>
         <p:spPr>
           <a:xfrm>
-            <a:off x="504000" y="1769040"/>
-            <a:ext cx="4426560" cy="4384440"/>
+            <a:off x="504000" y="1768680"/>
+            <a:ext cx="4426920" cy="4384080"/>
           </a:xfrm>
           <a:prstGeom prst="rect">
             <a:avLst/>
@@ -2536,8 +2536,8 @@
         </p:nvSpPr>
         <p:spPr>
           <a:xfrm>
-            <a:off x="5152320" y="1769040"/>
-            <a:ext cx="4426560" cy="2091240"/>
+            <a:off x="5152680" y="1768680"/>
+            <a:ext cx="4426920" cy="2090880"/>
           </a:xfrm>
           <a:prstGeom prst="rect">
             <a:avLst/>
@@ -2566,8 +2566,8 @@
         </p:nvSpPr>
         <p:spPr>
           <a:xfrm>
-            <a:off x="5152320" y="4059360"/>
-            <a:ext cx="4426560" cy="2091240"/>
+            <a:off x="5152680" y="4058640"/>
+            <a:ext cx="4426920" cy="2090880"/>
           </a:xfrm>
           <a:prstGeom prst="rect">
             <a:avLst/>
@@ -2618,8 +2618,8 @@
         </p:nvSpPr>
         <p:spPr>
           <a:xfrm>
-            <a:off x="504000" y="72000"/>
-            <a:ext cx="9071280" cy="863640"/>
+            <a:off x="504000" y="301320"/>
+            <a:ext cx="9072000" cy="1261800"/>
           </a:xfrm>
           <a:prstGeom prst="rect">
             <a:avLst/>
@@ -2649,8 +2649,8 @@
         </p:nvSpPr>
         <p:spPr>
           <a:xfrm>
-            <a:off x="504000" y="1769040"/>
-            <a:ext cx="4426560" cy="2091240"/>
+            <a:off x="504000" y="1768680"/>
+            <a:ext cx="4426920" cy="2090880"/>
           </a:xfrm>
           <a:prstGeom prst="rect">
             <a:avLst/>
@@ -2679,8 +2679,8 @@
         </p:nvSpPr>
         <p:spPr>
           <a:xfrm>
-            <a:off x="5152320" y="1769040"/>
-            <a:ext cx="4426560" cy="2091240"/>
+            <a:off x="5152680" y="1768680"/>
+            <a:ext cx="4426920" cy="2090880"/>
           </a:xfrm>
           <a:prstGeom prst="rect">
             <a:avLst/>
@@ -2709,8 +2709,8 @@
         </p:nvSpPr>
         <p:spPr>
           <a:xfrm>
-            <a:off x="504000" y="4059360"/>
-            <a:ext cx="9071280" cy="2091240"/>
+            <a:off x="504000" y="4058640"/>
+            <a:ext cx="9072000" cy="2090880"/>
           </a:xfrm>
           <a:prstGeom prst="rect">
             <a:avLst/>
@@ -2771,8 +2771,8 @@
         </p:nvSpPr>
         <p:spPr>
           <a:xfrm>
-            <a:off x="504000" y="72000"/>
-            <a:ext cx="9071280" cy="863640"/>
+            <a:off x="504000" y="301320"/>
+            <a:ext cx="9071640" cy="1261440"/>
           </a:xfrm>
           <a:prstGeom prst="rect">
             <a:avLst/>
@@ -2780,7 +2780,7 @@
         </p:spPr>
         <p:txBody>
           <a:bodyPr lIns="0" rIns="0" tIns="0" bIns="0" anchor="ctr">
-            <a:normAutofit/>
+            <a:noAutofit/>
           </a:bodyPr>
           <a:p>
             <a:pPr algn="ctr"/>
@@ -3034,8 +3034,8 @@
         </p:nvSpPr>
         <p:spPr>
           <a:xfrm>
-            <a:off x="504000" y="72000"/>
-            <a:ext cx="9071280" cy="863640"/>
+            <a:off x="504000" y="301320"/>
+            <a:ext cx="9072000" cy="1261800"/>
           </a:xfrm>
           <a:prstGeom prst="rect">
             <a:avLst/>
@@ -3043,17 +3043,17 @@
         </p:spPr>
         <p:txBody>
           <a:bodyPr lIns="0" rIns="0" tIns="0" bIns="0" anchor="ctr">
-            <a:normAutofit/>
+            <a:noAutofit/>
           </a:bodyPr>
           <a:p>
             <a:pPr algn="ctr"/>
             <a:r>
-              <a:rPr b="0" lang="en-US" sz="1800" spc="-1" strike="noStrike">
+              <a:rPr b="0" lang="en-US" sz="4400" spc="-1" strike="noStrike">
                 <a:latin typeface="Arial"/>
               </a:rPr>
               <a:t>Click to edit the title text format</a:t>
             </a:r>
-            <a:endParaRPr b="0" lang="en-US" sz="1800" spc="-1" strike="noStrike">
+            <a:endParaRPr b="0" lang="en-US" sz="4400" spc="-1" strike="noStrike">
               <a:latin typeface="Arial"/>
             </a:endParaRPr>
           </a:p>
@@ -3071,8 +3071,8 @@
         </p:nvSpPr>
         <p:spPr>
           <a:xfrm>
-            <a:off x="504000" y="1769040"/>
-            <a:ext cx="9071280" cy="4384440"/>
+            <a:off x="504000" y="1768680"/>
+            <a:ext cx="9072000" cy="4384080"/>
           </a:xfrm>
           <a:prstGeom prst="rect">
             <a:avLst/>
@@ -3083,7 +3083,7 @@
             <a:normAutofit/>
           </a:bodyPr>
           <a:p>
-            <a:pPr marL="432000" indent="-324000" algn="ctr">
+            <a:pPr marL="432000" indent="-324000">
               <a:spcBef>
                 <a:spcPts val="1417"/>
               </a:spcBef>
@@ -3095,17 +3095,17 @@
               <a:buChar char=""/>
             </a:pPr>
             <a:r>
-              <a:rPr b="0" lang="en-US" sz="1800" spc="-1" strike="noStrike">
+              <a:rPr b="0" lang="en-US" sz="3200" spc="-1" strike="noStrike">
                 <a:latin typeface="Arial"/>
               </a:rPr>
               <a:t>Click to edit the outline text format</a:t>
             </a:r>
-            <a:endParaRPr b="0" lang="en-US" sz="1800" spc="-1" strike="noStrike">
-              <a:latin typeface="Arial"/>
-            </a:endParaRPr>
-          </a:p>
-          <a:p>
-            <a:pPr lvl="1" marL="864000" indent="-324000" algn="ctr">
+            <a:endParaRPr b="0" lang="en-US" sz="3200" spc="-1" strike="noStrike">
+              <a:latin typeface="Arial"/>
+            </a:endParaRPr>
+          </a:p>
+          <a:p>
+            <a:pPr lvl="1" marL="864000" indent="-324000">
               <a:spcBef>
                 <a:spcPts val="1134"/>
               </a:spcBef>
@@ -3117,17 +3117,17 @@
               <a:buChar char=""/>
             </a:pPr>
             <a:r>
-              <a:rPr b="0" lang="en-US" sz="1800" spc="-1" strike="noStrike">
+              <a:rPr b="0" lang="en-US" sz="2800" spc="-1" strike="noStrike">
                 <a:latin typeface="Arial"/>
               </a:rPr>
               <a:t>Second Outline Level</a:t>
             </a:r>
-            <a:endParaRPr b="0" lang="en-US" sz="1800" spc="-1" strike="noStrike">
-              <a:latin typeface="Arial"/>
-            </a:endParaRPr>
-          </a:p>
-          <a:p>
-            <a:pPr lvl="2" marL="1296000" indent="-288000" algn="ctr">
+            <a:endParaRPr b="0" lang="en-US" sz="2800" spc="-1" strike="noStrike">
+              <a:latin typeface="Arial"/>
+            </a:endParaRPr>
+          </a:p>
+          <a:p>
+            <a:pPr lvl="2" marL="1296000" indent="-288000">
               <a:spcBef>
                 <a:spcPts val="850"/>
               </a:spcBef>
@@ -3139,17 +3139,17 @@
               <a:buChar char=""/>
             </a:pPr>
             <a:r>
-              <a:rPr b="0" lang="en-US" sz="1800" spc="-1" strike="noStrike">
+              <a:rPr b="0" lang="en-US" sz="2400" spc="-1" strike="noStrike">
                 <a:latin typeface="Arial"/>
               </a:rPr>
               <a:t>Third Outline Level</a:t>
             </a:r>
-            <a:endParaRPr b="0" lang="en-US" sz="1800" spc="-1" strike="noStrike">
-              <a:latin typeface="Arial"/>
-            </a:endParaRPr>
-          </a:p>
-          <a:p>
-            <a:pPr lvl="3" marL="1728000" indent="-216000" algn="ctr">
+            <a:endParaRPr b="0" lang="en-US" sz="2400" spc="-1" strike="noStrike">
+              <a:latin typeface="Arial"/>
+            </a:endParaRPr>
+          </a:p>
+          <a:p>
+            <a:pPr lvl="3" marL="1728000" indent="-216000">
               <a:spcBef>
                 <a:spcPts val="567"/>
               </a:spcBef>
@@ -3161,17 +3161,17 @@
               <a:buChar char=""/>
             </a:pPr>
             <a:r>
-              <a:rPr b="0" lang="en-US" sz="1800" spc="-1" strike="noStrike">
+              <a:rPr b="0" lang="en-US" sz="2000" spc="-1" strike="noStrike">
                 <a:latin typeface="Arial"/>
               </a:rPr>
               <a:t>Fourth Outline Level</a:t>
             </a:r>
-            <a:endParaRPr b="0" lang="en-US" sz="1800" spc="-1" strike="noStrike">
-              <a:latin typeface="Arial"/>
-            </a:endParaRPr>
-          </a:p>
-          <a:p>
-            <a:pPr lvl="4" marL="2160000" indent="-216000" algn="ctr">
+            <a:endParaRPr b="0" lang="en-US" sz="2000" spc="-1" strike="noStrike">
+              <a:latin typeface="Arial"/>
+            </a:endParaRPr>
+          </a:p>
+          <a:p>
+            <a:pPr lvl="4" marL="2160000" indent="-216000">
               <a:spcBef>
                 <a:spcPts val="283"/>
               </a:spcBef>
@@ -3183,17 +3183,17 @@
               <a:buChar char=""/>
             </a:pPr>
             <a:r>
-              <a:rPr b="0" lang="en-US" sz="1800" spc="-1" strike="noStrike">
+              <a:rPr b="0" lang="en-US" sz="2000" spc="-1" strike="noStrike">
                 <a:latin typeface="Arial"/>
               </a:rPr>
               <a:t>Fifth Outline Level</a:t>
             </a:r>
-            <a:endParaRPr b="0" lang="en-US" sz="1800" spc="-1" strike="noStrike">
-              <a:latin typeface="Arial"/>
-            </a:endParaRPr>
-          </a:p>
-          <a:p>
-            <a:pPr lvl="5" marL="2592000" indent="-216000" algn="ctr">
+            <a:endParaRPr b="0" lang="en-US" sz="2000" spc="-1" strike="noStrike">
+              <a:latin typeface="Arial"/>
+            </a:endParaRPr>
+          </a:p>
+          <a:p>
+            <a:pPr lvl="5" marL="2592000" indent="-216000">
               <a:spcBef>
                 <a:spcPts val="283"/>
               </a:spcBef>
@@ -3205,17 +3205,17 @@
               <a:buChar char=""/>
             </a:pPr>
             <a:r>
-              <a:rPr b="0" lang="en-US" sz="1800" spc="-1" strike="noStrike">
+              <a:rPr b="0" lang="en-US" sz="2000" spc="-1" strike="noStrike">
                 <a:latin typeface="Arial"/>
               </a:rPr>
               <a:t>Sixth Outline Level</a:t>
             </a:r>
-            <a:endParaRPr b="0" lang="en-US" sz="1800" spc="-1" strike="noStrike">
-              <a:latin typeface="Arial"/>
-            </a:endParaRPr>
-          </a:p>
-          <a:p>
-            <a:pPr lvl="6" marL="3024000" indent="-216000" algn="ctr">
+            <a:endParaRPr b="0" lang="en-US" sz="2000" spc="-1" strike="noStrike">
+              <a:latin typeface="Arial"/>
+            </a:endParaRPr>
+          </a:p>
+          <a:p>
+            <a:pPr lvl="6" marL="3024000" indent="-216000">
               <a:spcBef>
                 <a:spcPts val="283"/>
               </a:spcBef>
@@ -3227,12 +3227,12 @@
               <a:buChar char=""/>
             </a:pPr>
             <a:r>
-              <a:rPr b="0" lang="en-US" sz="1800" spc="-1" strike="noStrike">
+              <a:rPr b="0" lang="en-US" sz="2000" spc="-1" strike="noStrike">
                 <a:latin typeface="Arial"/>
               </a:rPr>
               <a:t>Seventh Outline Level</a:t>
             </a:r>
-            <a:endParaRPr b="0" lang="en-US" sz="1800" spc="-1" strike="noStrike">
+            <a:endParaRPr b="0" lang="en-US" sz="2000" spc="-1" strike="noStrike">
               <a:latin typeface="Arial"/>
             </a:endParaRPr>
           </a:p>
@@ -3284,7 +3284,7 @@
         <p:spPr>
           <a:xfrm>
             <a:off x="504360" y="3528000"/>
-            <a:ext cx="9071280" cy="829800"/>
+            <a:ext cx="9070560" cy="829080"/>
           </a:xfrm>
           <a:prstGeom prst="rect">
             <a:avLst/>
@@ -3302,7 +3302,7 @@
         </p:style>
         <p:txBody>
           <a:bodyPr lIns="0" rIns="0" tIns="0" bIns="0" anchor="ctr">
-            <a:normAutofit fontScale="26000"/>
+            <a:normAutofit fontScale="32000"/>
           </a:bodyPr>
           <a:p>
             <a:pPr algn="ctr">
@@ -3311,11 +3311,12 @@
               </a:lnSpc>
             </a:pPr>
             <a:r>
-              <a:rPr b="0" lang="en-US" sz="7200" spc="-1" strike="noStrike">
+              <a:rPr b="0" lang="en-US" sz="3200" spc="-1" strike="noStrike">
                 <a:solidFill>
                   <a:srgbClr val="ffffff"/>
                 </a:solidFill>
                 <a:latin typeface="Noto Sans"/>
+                <a:ea typeface="DejaVu Sans"/>
               </a:rPr>
               <a:t>ESLint in ENCODE</a:t>
             </a:r>
@@ -3325,10 +3326,41 @@
                   <a:srgbClr val="ffffff"/>
                 </a:solidFill>
                 <a:latin typeface="Noto Sans"/>
-              </a:rPr>
-              <a:t> by Phil</a:t>
-            </a:r>
-            <a:endParaRPr b="0" lang="en-US" sz="4400" spc="-1" strike="noStrike">
+                <a:ea typeface="DejaVu Sans"/>
+              </a:rPr>
+              <a:t> </a:t>
+            </a:r>
+            <a:r>
+              <a:rPr b="0" lang="en-US" sz="2800" spc="-1" strike="noStrike">
+                <a:solidFill>
+                  <a:srgbClr val="ffffff"/>
+                </a:solidFill>
+                <a:latin typeface="Noto Sans"/>
+                <a:ea typeface="DejaVu Sans"/>
+              </a:rPr>
+              <a:t>by Phil</a:t>
+            </a:r>
+            <a:endParaRPr b="0" lang="en-US" sz="2800" spc="-1" strike="noStrike">
+              <a:latin typeface="Arial"/>
+            </a:endParaRPr>
+          </a:p>
+          <a:p>
+            <a:pPr algn="ctr">
+              <a:lnSpc>
+                <a:spcPct val="100000"/>
+              </a:lnSpc>
+            </a:pPr>
+            <a:r>
+              <a:rPr b="0" lang="en-US" sz="2800" spc="-1" strike="noStrike">
+                <a:solidFill>
+                  <a:srgbClr val="ffffff"/>
+                </a:solidFill>
+                <a:latin typeface="Noto Sans"/>
+                <a:ea typeface="DejaVu Sans"/>
+              </a:rPr>
+              <a:t>Source Code: https://github.com/zoldello/eslint-for-beginners</a:t>
+            </a:r>
+            <a:endParaRPr b="0" lang="en-US" sz="2800" spc="-1" strike="noStrike">
               <a:latin typeface="Arial"/>
             </a:endParaRPr>
           </a:p>
@@ -3373,7 +3405,7 @@
         <p:spPr>
           <a:xfrm>
             <a:off x="504000" y="72000"/>
-            <a:ext cx="9071280" cy="863640"/>
+            <a:ext cx="9070560" cy="862920"/>
           </a:xfrm>
           <a:prstGeom prst="rect">
             <a:avLst/>
@@ -3405,6 +3437,7 @@
                   <a:srgbClr val="ffffff"/>
                 </a:solidFill>
                 <a:latin typeface="Noto Sans"/>
+                <a:ea typeface="DejaVu Sans"/>
               </a:rPr>
               <a:t>Overview</a:t>
             </a:r>
@@ -3423,7 +3456,7 @@
         <p:spPr>
           <a:xfrm>
             <a:off x="504000" y="1769040"/>
-            <a:ext cx="9071280" cy="5180040"/>
+            <a:ext cx="9070560" cy="5179320"/>
           </a:xfrm>
           <a:prstGeom prst="rect">
             <a:avLst/>
@@ -3444,7 +3477,7 @@
             <a:normAutofit/>
           </a:bodyPr>
           <a:p>
-            <a:pPr marL="432000" indent="-323640">
+            <a:pPr marL="432000" indent="-322920">
               <a:lnSpc>
                 <a:spcPct val="100000"/>
               </a:lnSpc>
@@ -3460,7 +3493,11 @@
             </a:pPr>
             <a:r>
               <a:rPr b="0" lang="en-US" sz="3200" spc="-1" strike="noStrike">
+                <a:solidFill>
+                  <a:srgbClr val="000000"/>
+                </a:solidFill>
                 <a:latin typeface="Noto Sans"/>
+                <a:ea typeface="DejaVu Sans"/>
               </a:rPr>
               <a:t>Goal</a:t>
             </a:r>
@@ -3469,7 +3506,7 @@
             </a:endParaRPr>
           </a:p>
           <a:p>
-            <a:pPr marL="432000" indent="-323640">
+            <a:pPr marL="432000" indent="-322920">
               <a:lnSpc>
                 <a:spcPct val="100000"/>
               </a:lnSpc>
@@ -3485,7 +3522,11 @@
             </a:pPr>
             <a:r>
               <a:rPr b="0" lang="en-US" sz="3200" spc="-1" strike="noStrike">
+                <a:solidFill>
+                  <a:srgbClr val="000000"/>
+                </a:solidFill>
                 <a:latin typeface="Noto Sans"/>
+                <a:ea typeface="DejaVu Sans"/>
               </a:rPr>
               <a:t>Relevance of ESLint</a:t>
             </a:r>
@@ -3494,7 +3535,7 @@
             </a:endParaRPr>
           </a:p>
           <a:p>
-            <a:pPr marL="432000" indent="-323640">
+            <a:pPr marL="432000" indent="-322920">
               <a:lnSpc>
                 <a:spcPct val="100000"/>
               </a:lnSpc>
@@ -3510,7 +3551,11 @@
             </a:pPr>
             <a:r>
               <a:rPr b="0" lang="en-US" sz="3200" spc="-1" strike="noStrike">
+                <a:solidFill>
+                  <a:srgbClr val="000000"/>
+                </a:solidFill>
                 <a:latin typeface="Noto Sans"/>
+                <a:ea typeface="DejaVu Sans"/>
               </a:rPr>
               <a:t>ESLinting Code</a:t>
             </a:r>
@@ -3519,7 +3564,7 @@
             </a:endParaRPr>
           </a:p>
           <a:p>
-            <a:pPr marL="432000" indent="-323640">
+            <a:pPr marL="432000" indent="-322920">
               <a:lnSpc>
                 <a:spcPct val="100000"/>
               </a:lnSpc>
@@ -3535,7 +3580,11 @@
             </a:pPr>
             <a:r>
               <a:rPr b="0" lang="en-US" sz="3200" spc="-1" strike="noStrike">
+                <a:solidFill>
+                  <a:srgbClr val="000000"/>
+                </a:solidFill>
                 <a:latin typeface="Noto Sans"/>
+                <a:ea typeface="DejaVu Sans"/>
               </a:rPr>
               <a:t>Demo</a:t>
             </a:r>
@@ -3544,7 +3593,7 @@
             </a:endParaRPr>
           </a:p>
           <a:p>
-            <a:pPr lvl="1" marL="864000" indent="-323640">
+            <a:pPr lvl="1" marL="864000" indent="-322920">
               <a:lnSpc>
                 <a:spcPct val="100000"/>
               </a:lnSpc>
@@ -3560,16 +3609,20 @@
             </a:pPr>
             <a:r>
               <a:rPr b="0" lang="en-US" sz="2800" spc="-1" strike="noStrike">
+                <a:solidFill>
+                  <a:srgbClr val="000000"/>
+                </a:solidFill>
                 <a:latin typeface="Noto Sans"/>
-              </a:rPr>
-              <a:t>ESLint comandline</a:t>
+                <a:ea typeface="DejaVu Sans"/>
+              </a:rPr>
+              <a:t>ESLint comand line</a:t>
             </a:r>
             <a:endParaRPr b="0" lang="en-US" sz="2800" spc="-1" strike="noStrike">
               <a:latin typeface="Arial"/>
             </a:endParaRPr>
           </a:p>
           <a:p>
-            <a:pPr lvl="1" marL="864000" indent="-323640">
+            <a:pPr lvl="1" marL="864000" indent="-322920">
               <a:lnSpc>
                 <a:spcPct val="100000"/>
               </a:lnSpc>
@@ -3585,7 +3638,11 @@
             </a:pPr>
             <a:r>
               <a:rPr b="0" lang="en-US" sz="2800" spc="-1" strike="noStrike">
+                <a:solidFill>
+                  <a:srgbClr val="000000"/>
+                </a:solidFill>
                 <a:latin typeface="Noto Sans"/>
+                <a:ea typeface="DejaVu Sans"/>
               </a:rPr>
               <a:t>ESLint VS Plugin</a:t>
             </a:r>
@@ -3594,7 +3651,7 @@
             </a:endParaRPr>
           </a:p>
           <a:p>
-            <a:pPr lvl="1" marL="864000" indent="-323640">
+            <a:pPr lvl="1" marL="864000" indent="-322920">
               <a:lnSpc>
                 <a:spcPct val="100000"/>
               </a:lnSpc>
@@ -3610,7 +3667,11 @@
             </a:pPr>
             <a:r>
               <a:rPr b="0" lang="en-US" sz="2800" spc="-1" strike="sngStrike">
+                <a:solidFill>
+                  <a:srgbClr val="000000"/>
+                </a:solidFill>
                 <a:latin typeface="Noto Sans"/>
+                <a:ea typeface="DejaVu Sans"/>
               </a:rPr>
               <a:t>Overriding rules</a:t>
             </a:r>
@@ -3659,7 +3720,7 @@
         <p:spPr>
           <a:xfrm>
             <a:off x="504000" y="72000"/>
-            <a:ext cx="9071280" cy="863640"/>
+            <a:ext cx="9070560" cy="862920"/>
           </a:xfrm>
           <a:prstGeom prst="rect">
             <a:avLst/>
@@ -3691,6 +3752,7 @@
                   <a:srgbClr val="ffffff"/>
                 </a:solidFill>
                 <a:latin typeface="Noto Sans"/>
+                <a:ea typeface="DejaVu Sans"/>
               </a:rPr>
               <a:t>Goal</a:t>
             </a:r>
@@ -3709,7 +3771,7 @@
         <p:spPr>
           <a:xfrm>
             <a:off x="504000" y="1769040"/>
-            <a:ext cx="9071280" cy="4384440"/>
+            <a:ext cx="9070560" cy="4383720"/>
           </a:xfrm>
           <a:prstGeom prst="rect">
             <a:avLst/>
@@ -3730,7 +3792,7 @@
             <a:normAutofit/>
           </a:bodyPr>
           <a:p>
-            <a:pPr marL="432000" indent="-323640">
+            <a:pPr marL="432000" indent="-322920">
               <a:lnSpc>
                 <a:spcPct val="100000"/>
               </a:lnSpc>
@@ -3746,9 +3808,13 @@
             </a:pPr>
             <a:r>
               <a:rPr b="0" lang="en-US" sz="3200" spc="-1" strike="noStrike">
+                <a:solidFill>
+                  <a:srgbClr val="000000"/>
+                </a:solidFill>
                 <a:latin typeface="Noto Sans"/>
-              </a:rPr>
-              <a:t>Inform everyone who may touch JavaScript code about ESLint</a:t>
+                <a:ea typeface="DejaVu Sans"/>
+              </a:rPr>
+              <a:t>Educate those who occasional program with JavaScript about ESLint</a:t>
             </a:r>
             <a:endParaRPr b="0" lang="en-US" sz="3200" spc="-1" strike="noStrike">
               <a:latin typeface="Arial"/>
@@ -3768,7 +3834,7 @@
             </a:endParaRPr>
           </a:p>
           <a:p>
-            <a:pPr marL="432000" indent="-323640">
+            <a:pPr marL="432000" indent="-322920">
               <a:lnSpc>
                 <a:spcPct val="100000"/>
               </a:lnSpc>
@@ -3784,9 +3850,13 @@
             </a:pPr>
             <a:r>
               <a:rPr b="0" lang="en-US" sz="3200" spc="-1" strike="noStrike">
+                <a:solidFill>
+                  <a:srgbClr val="000000"/>
+                </a:solidFill>
                 <a:latin typeface="Noto Sans"/>
-              </a:rPr>
-              <a:t>Prevent confusion</a:t>
+                <a:ea typeface="DejaVu Sans"/>
+              </a:rPr>
+              <a:t>Prevent confusion due to valid JavaScript failing build</a:t>
             </a:r>
             <a:endParaRPr b="0" lang="en-US" sz="3200" spc="-1" strike="noStrike">
               <a:latin typeface="Arial"/>
@@ -3833,7 +3903,7 @@
         <p:spPr>
           <a:xfrm>
             <a:off x="504000" y="72000"/>
-            <a:ext cx="9071280" cy="863640"/>
+            <a:ext cx="9070560" cy="862920"/>
           </a:xfrm>
           <a:prstGeom prst="rect">
             <a:avLst/>
@@ -3865,6 +3935,7 @@
                   <a:srgbClr val="ffffff"/>
                 </a:solidFill>
                 <a:latin typeface="Noto Sans"/>
+                <a:ea typeface="DejaVu Sans"/>
               </a:rPr>
               <a:t>What is ESLint</a:t>
             </a:r>
@@ -3883,7 +3954,7 @@
         <p:spPr>
           <a:xfrm>
             <a:off x="504000" y="1769040"/>
-            <a:ext cx="9071280" cy="4384440"/>
+            <a:ext cx="9070560" cy="4383720"/>
           </a:xfrm>
           <a:prstGeom prst="rect">
             <a:avLst/>
@@ -3901,10 +3972,10 @@
         </p:style>
         <p:txBody>
           <a:bodyPr lIns="0" rIns="0" tIns="0" bIns="0">
-            <a:normAutofit fontScale="82000"/>
-          </a:bodyPr>
-          <a:p>
-            <a:pPr marL="432000" indent="-323640">
+            <a:normAutofit fontScale="85000"/>
+          </a:bodyPr>
+          <a:p>
+            <a:pPr marL="432000" indent="-322920">
               <a:lnSpc>
                 <a:spcPct val="100000"/>
               </a:lnSpc>
@@ -3920,13 +3991,21 @@
             </a:pPr>
             <a:r>
               <a:rPr b="1" lang="en-US" sz="3200" spc="-1" strike="noStrike">
+                <a:solidFill>
+                  <a:srgbClr val="000000"/>
+                </a:solidFill>
                 <a:latin typeface="Noto Sans"/>
+                <a:ea typeface="DejaVu Sans"/>
               </a:rPr>
               <a:t>Linter </a:t>
             </a:r>
             <a:r>
               <a:rPr b="0" lang="en-US" sz="3200" spc="-1" strike="noStrike">
+                <a:solidFill>
+                  <a:srgbClr val="000000"/>
+                </a:solidFill>
                 <a:latin typeface="Noto Sans"/>
+                <a:ea typeface="DejaVu Sans"/>
               </a:rPr>
               <a:t>identifies non-compliant code</a:t>
             </a:r>
@@ -3935,7 +4014,7 @@
             </a:endParaRPr>
           </a:p>
           <a:p>
-            <a:pPr lvl="2" marL="648000" indent="-216000">
+            <a:pPr lvl="2" marL="648000" indent="-215280">
               <a:lnSpc>
                 <a:spcPct val="100000"/>
               </a:lnSpc>
@@ -3951,7 +4030,11 @@
             </a:pPr>
             <a:r>
               <a:rPr b="0" lang="en-US" sz="3200" spc="-1" strike="noStrike">
+                <a:solidFill>
+                  <a:srgbClr val="000000"/>
+                </a:solidFill>
                 <a:latin typeface="Noto Sans"/>
+                <a:ea typeface="DejaVu Sans"/>
               </a:rPr>
               <a:t>Enforces coding standards</a:t>
             </a:r>
@@ -3960,7 +4043,7 @@
             </a:endParaRPr>
           </a:p>
           <a:p>
-            <a:pPr lvl="2" marL="648000" indent="-216000">
+            <a:pPr lvl="2" marL="648000" indent="-215280">
               <a:lnSpc>
                 <a:spcPct val="100000"/>
               </a:lnSpc>
@@ -3976,19 +4059,31 @@
             </a:pPr>
             <a:r>
               <a:rPr b="0" lang="en-US" sz="3200" spc="-1" strike="noStrike">
+                <a:solidFill>
+                  <a:srgbClr val="000000"/>
+                </a:solidFill>
                 <a:latin typeface="Noto Sans"/>
+                <a:ea typeface="DejaVu Sans"/>
               </a:rPr>
               <a:t>Helps identify </a:t>
             </a:r>
             <a:r>
               <a:rPr b="1" lang="en-US" sz="3200" spc="-1" strike="noStrike">
+                <a:solidFill>
+                  <a:srgbClr val="000000"/>
+                </a:solidFill>
                 <a:latin typeface="Noto Sans"/>
+                <a:ea typeface="DejaVu Sans"/>
               </a:rPr>
               <a:t>Code Smells/Bad Part</a:t>
             </a:r>
             <a:r>
               <a:rPr b="0" lang="en-US" sz="3200" spc="-1" strike="noStrike">
+                <a:solidFill>
+                  <a:srgbClr val="000000"/>
+                </a:solidFill>
                 <a:latin typeface="Noto Sans"/>
+                <a:ea typeface="DejaVu Sans"/>
               </a:rPr>
               <a:t> of JavaScript</a:t>
             </a:r>
@@ -3997,7 +4092,7 @@
             </a:endParaRPr>
           </a:p>
           <a:p>
-            <a:pPr lvl="2" marL="648000" indent="-216000">
+            <a:pPr lvl="2" marL="648000" indent="-215280">
               <a:lnSpc>
                 <a:spcPct val="100000"/>
               </a:lnSpc>
@@ -4013,7 +4108,11 @@
             </a:pPr>
             <a:r>
               <a:rPr b="0" lang="en-US" sz="3200" spc="-1" strike="noStrike">
+                <a:solidFill>
+                  <a:srgbClr val="000000"/>
+                </a:solidFill>
                 <a:latin typeface="Noto Sans"/>
+                <a:ea typeface="DejaVu Sans"/>
               </a:rPr>
               <a:t>Sometimes offers auto-correction</a:t>
             </a:r>
@@ -4022,7 +4121,20 @@
             </a:endParaRPr>
           </a:p>
           <a:p>
-            <a:pPr lvl="2" marL="648000" indent="-216000">
+            <a:pPr>
+              <a:lnSpc>
+                <a:spcPct val="100000"/>
+              </a:lnSpc>
+              <a:spcAft>
+                <a:spcPts val="1417"/>
+              </a:spcAft>
+            </a:pPr>
+            <a:endParaRPr b="0" lang="en-US" sz="3200" spc="-1" strike="noStrike">
+              <a:latin typeface="Arial"/>
+            </a:endParaRPr>
+          </a:p>
+          <a:p>
+            <a:pPr marL="432000" indent="-322920">
               <a:lnSpc>
                 <a:spcPct val="100000"/>
               </a:lnSpc>
@@ -4036,28 +4148,13 @@
               <a:buFont typeface="Wingdings" charset="2"/>
               <a:buChar char=""/>
             </a:pPr>
-            <a:endParaRPr b="0" lang="en-US" sz="3200" spc="-1" strike="noStrike">
-              <a:latin typeface="Arial"/>
-            </a:endParaRPr>
-          </a:p>
-          <a:p>
-            <a:pPr marL="432000" indent="-323640">
-              <a:lnSpc>
-                <a:spcPct val="100000"/>
-              </a:lnSpc>
-              <a:spcAft>
-                <a:spcPts val="1417"/>
-              </a:spcAft>
-              <a:buClr>
-                <a:srgbClr val="000000"/>
-              </a:buClr>
-              <a:buSzPct val="45000"/>
-              <a:buFont typeface="Wingdings" charset="2"/>
-              <a:buChar char=""/>
-            </a:pPr>
             <a:r>
               <a:rPr b="0" lang="en-US" sz="3200" spc="-1" strike="noStrike">
+                <a:solidFill>
+                  <a:srgbClr val="000000"/>
+                </a:solidFill>
                 <a:latin typeface="Noto Sans"/>
+                <a:ea typeface="DejaVu Sans"/>
               </a:rPr>
               <a:t>Same idea as Pylint</a:t>
             </a:r>
@@ -4119,7 +4216,7 @@
         <p:spPr>
           <a:xfrm>
             <a:off x="504000" y="72000"/>
-            <a:ext cx="9071280" cy="863640"/>
+            <a:ext cx="9070560" cy="862920"/>
           </a:xfrm>
           <a:prstGeom prst="rect">
             <a:avLst/>
@@ -4151,6 +4248,7 @@
                   <a:srgbClr val="ffffff"/>
                 </a:solidFill>
                 <a:latin typeface="Noto Sans"/>
+                <a:ea typeface="DejaVu Sans"/>
               </a:rPr>
               <a:t>Relevance of ESLint</a:t>
             </a:r>
@@ -4169,7 +4267,7 @@
         <p:spPr>
           <a:xfrm>
             <a:off x="504000" y="1769040"/>
-            <a:ext cx="9071280" cy="4384440"/>
+            <a:ext cx="9070560" cy="4383720"/>
           </a:xfrm>
           <a:prstGeom prst="rect">
             <a:avLst/>
@@ -4190,7 +4288,7 @@
             <a:normAutofit/>
           </a:bodyPr>
           <a:p>
-            <a:pPr marL="432000" indent="-323640">
+            <a:pPr marL="432000" indent="-322920">
               <a:lnSpc>
                 <a:spcPct val="100000"/>
               </a:lnSpc>
@@ -4206,16 +4304,20 @@
             </a:pPr>
             <a:r>
               <a:rPr b="0" lang="en-US" sz="3200" spc="-1" strike="noStrike">
+                <a:solidFill>
+                  <a:srgbClr val="000000"/>
+                </a:solidFill>
                 <a:latin typeface="Noto Sans"/>
-              </a:rPr>
-              <a:t>ESLint to be tied with CircleCI with ENCD-5665 (via v112)</a:t>
-            </a:r>
-            <a:endParaRPr b="0" lang="en-US" sz="3200" spc="-1" strike="noStrike">
-              <a:latin typeface="Arial"/>
-            </a:endParaRPr>
-          </a:p>
-          <a:p>
-            <a:pPr marL="432000" indent="-323640">
+                <a:ea typeface="DejaVu Sans"/>
+              </a:rPr>
+              <a:t>ESLint to be tied with CircleCI with ENCD-5665 (via v111)</a:t>
+            </a:r>
+            <a:endParaRPr b="0" lang="en-US" sz="3200" spc="-1" strike="noStrike">
+              <a:latin typeface="Arial"/>
+            </a:endParaRPr>
+          </a:p>
+          <a:p>
+            <a:pPr marL="432000" indent="-322920">
               <a:lnSpc>
                 <a:spcPct val="100000"/>
               </a:lnSpc>
@@ -4231,7 +4333,11 @@
             </a:pPr>
             <a:r>
               <a:rPr b="0" lang="en-US" sz="3200" spc="-1" strike="noStrike">
+                <a:solidFill>
+                  <a:srgbClr val="000000"/>
+                </a:solidFill>
                 <a:latin typeface="Noto Sans"/>
+                <a:ea typeface="DejaVu Sans"/>
               </a:rPr>
               <a:t>PR Build will fail for non ESLint-compliant code </a:t>
             </a:r>
@@ -4240,7 +4346,7 @@
             </a:endParaRPr>
           </a:p>
           <a:p>
-            <a:pPr marL="432000" indent="-323640">
+            <a:pPr marL="432000" indent="-322920">
               <a:lnSpc>
                 <a:spcPct val="100000"/>
               </a:lnSpc>
@@ -4256,7 +4362,11 @@
             </a:pPr>
             <a:r>
               <a:rPr b="0" lang="en-US" sz="3200" spc="-1" strike="noStrike">
+                <a:solidFill>
+                  <a:srgbClr val="000000"/>
+                </a:solidFill>
                 <a:latin typeface="Noto Sans"/>
+                <a:ea typeface="DejaVu Sans"/>
               </a:rPr>
               <a:t>Relieves code reviewers of worrying about ESLint</a:t>
             </a:r>
@@ -4265,19 +4375,13 @@
             </a:endParaRPr>
           </a:p>
           <a:p>
-            <a:pPr marL="432000" indent="-323640">
+            <a:pPr>
               <a:lnSpc>
                 <a:spcPct val="100000"/>
               </a:lnSpc>
               <a:spcAft>
                 <a:spcPts val="1417"/>
               </a:spcAft>
-              <a:buClr>
-                <a:srgbClr val="000000"/>
-              </a:buClr>
-              <a:buSzPct val="45000"/>
-              <a:buFont typeface="Wingdings" charset="2"/>
-              <a:buChar char=""/>
             </a:pPr>
             <a:endParaRPr b="0" lang="en-US" sz="3200" spc="-1" strike="noStrike">
               <a:latin typeface="Arial"/>
@@ -4337,7 +4441,7 @@
         <p:spPr>
           <a:xfrm>
             <a:off x="504000" y="72000"/>
-            <a:ext cx="9071280" cy="863640"/>
+            <a:ext cx="9070560" cy="862920"/>
           </a:xfrm>
           <a:prstGeom prst="rect">
             <a:avLst/>
@@ -4369,6 +4473,7 @@
                   <a:srgbClr val="ffffff"/>
                 </a:solidFill>
                 <a:latin typeface="Noto Sans"/>
+                <a:ea typeface="DejaVu Sans"/>
               </a:rPr>
               <a:t>Demo</a:t>
             </a:r>
@@ -4387,7 +4492,7 @@
         <p:spPr>
           <a:xfrm>
             <a:off x="548640" y="1833480"/>
-            <a:ext cx="9071280" cy="4384440"/>
+            <a:ext cx="9070560" cy="4383720"/>
           </a:xfrm>
           <a:prstGeom prst="rect">
             <a:avLst/>
@@ -4408,7 +4513,7 @@
             <a:normAutofit/>
           </a:bodyPr>
           <a:p>
-            <a:pPr marL="432000" indent="-323640">
+            <a:pPr marL="432000" indent="-322920">
               <a:lnSpc>
                 <a:spcPct val="100000"/>
               </a:lnSpc>
@@ -4424,13 +4529,21 @@
             </a:pPr>
             <a:r>
               <a:rPr b="0" lang="en-US" sz="5400" spc="-1" strike="noStrike">
+                <a:solidFill>
+                  <a:srgbClr val="000000"/>
+                </a:solidFill>
                 <a:latin typeface="Noto Sans"/>
+                <a:ea typeface="DejaVu Sans"/>
               </a:rPr>
               <a:t>Audience Participation</a:t>
             </a:r>
             <a:r>
               <a:rPr b="0" lang="en-US" sz="3200" spc="-1" strike="noStrike">
+                <a:solidFill>
+                  <a:srgbClr val="000000"/>
+                </a:solidFill>
                 <a:latin typeface="Noto Sans"/>
+                <a:ea typeface="DejaVu Sans"/>
               </a:rPr>
               <a:t>-  Tell Phil to open up Visual Code</a:t>
             </a:r>
@@ -4492,7 +4605,7 @@
         <p:spPr>
           <a:xfrm>
             <a:off x="504000" y="72000"/>
-            <a:ext cx="9071280" cy="863640"/>
+            <a:ext cx="9070560" cy="862920"/>
           </a:xfrm>
           <a:prstGeom prst="rect">
             <a:avLst/>
@@ -4524,6 +4637,7 @@
                   <a:srgbClr val="ffffff"/>
                 </a:solidFill>
                 <a:latin typeface="Noto Sans"/>
+                <a:ea typeface="DejaVu Sans"/>
               </a:rPr>
               <a:t>Summary</a:t>
             </a:r>
@@ -4542,7 +4656,7 @@
         <p:spPr>
           <a:xfrm>
             <a:off x="504000" y="1769040"/>
-            <a:ext cx="9071280" cy="4384440"/>
+            <a:ext cx="9070560" cy="4383720"/>
           </a:xfrm>
           <a:prstGeom prst="rect">
             <a:avLst/>
@@ -4563,7 +4677,7 @@
             <a:normAutofit/>
           </a:bodyPr>
           <a:p>
-            <a:pPr marL="432000" indent="-323640">
+            <a:pPr marL="432000" indent="-322920">
               <a:lnSpc>
                 <a:spcPct val="100000"/>
               </a:lnSpc>
@@ -4579,7 +4693,11 @@
             </a:pPr>
             <a:r>
               <a:rPr b="0" lang="en-US" sz="3200" spc="-1" strike="noStrike">
+                <a:solidFill>
+                  <a:srgbClr val="000000"/>
+                </a:solidFill>
                 <a:latin typeface="Noto Sans"/>
+                <a:ea typeface="DejaVu Sans"/>
               </a:rPr>
               <a:t>ESLint helps with code quality</a:t>
             </a:r>
@@ -4588,7 +4706,7 @@
             </a:endParaRPr>
           </a:p>
           <a:p>
-            <a:pPr marL="432000" indent="-323640">
+            <a:pPr marL="432000" indent="-322920">
               <a:lnSpc>
                 <a:spcPct val="100000"/>
               </a:lnSpc>
@@ -4604,16 +4722,20 @@
             </a:pPr>
             <a:r>
               <a:rPr b="0" lang="en-US" sz="3200" spc="-1" strike="noStrike">
+                <a:solidFill>
+                  <a:srgbClr val="000000"/>
+                </a:solidFill>
                 <a:latin typeface="Noto Sans"/>
-              </a:rPr>
-              <a:t>ESLint rules will be enforced via CirclCI</a:t>
-            </a:r>
-            <a:endParaRPr b="0" lang="en-US" sz="3200" spc="-1" strike="noStrike">
-              <a:latin typeface="Arial"/>
-            </a:endParaRPr>
-          </a:p>
-          <a:p>
-            <a:pPr marL="432000" indent="-323640">
+                <a:ea typeface="DejaVu Sans"/>
+              </a:rPr>
+              <a:t>ESLint rules will be enforced via CircleCI</a:t>
+            </a:r>
+            <a:endParaRPr b="0" lang="en-US" sz="3200" spc="-1" strike="noStrike">
+              <a:latin typeface="Arial"/>
+            </a:endParaRPr>
+          </a:p>
+          <a:p>
+            <a:pPr marL="432000" indent="-322920">
               <a:lnSpc>
                 <a:spcPct val="100000"/>
               </a:lnSpc>
@@ -4629,7 +4751,11 @@
             </a:pPr>
             <a:r>
               <a:rPr b="0" lang="en-US" sz="3200" spc="-1" strike="noStrike">
+                <a:solidFill>
+                  <a:srgbClr val="000000"/>
+                </a:solidFill>
                 <a:latin typeface="Noto Sans"/>
+                <a:ea typeface="DejaVu Sans"/>
               </a:rPr>
               <a:t>Tools can help you fix them sometimes</a:t>
             </a:r>
@@ -4638,7 +4764,7 @@
             </a:endParaRPr>
           </a:p>
           <a:p>
-            <a:pPr marL="432000" indent="-323640">
+            <a:pPr marL="432000" indent="-322920">
               <a:lnSpc>
                 <a:spcPct val="100000"/>
               </a:lnSpc>
@@ -4654,7 +4780,11 @@
             </a:pPr>
             <a:r>
               <a:rPr b="0" lang="en-US" sz="3200" spc="-1" strike="noStrike">
+                <a:solidFill>
+                  <a:srgbClr val="000000"/>
+                </a:solidFill>
                 <a:latin typeface="Noto Sans"/>
+                <a:ea typeface="DejaVu Sans"/>
               </a:rPr>
               <a:t>Rarely need to ignore rules; consult UI Developer for assistance</a:t>
             </a:r>
@@ -4729,7 +4859,7 @@
         <p:spPr>
           <a:xfrm>
             <a:off x="504000" y="72000"/>
-            <a:ext cx="9071280" cy="863640"/>
+            <a:ext cx="9070560" cy="862920"/>
           </a:xfrm>
           <a:prstGeom prst="rect">
             <a:avLst/>
@@ -4761,6 +4891,7 @@
                   <a:srgbClr val="ffffff"/>
                 </a:solidFill>
                 <a:latin typeface="Noto Sans"/>
+                <a:ea typeface="DejaVu Sans"/>
               </a:rPr>
               <a:t>References</a:t>
             </a:r>
@@ -4779,7 +4910,7 @@
         <p:spPr>
           <a:xfrm>
             <a:off x="346680" y="1375920"/>
-            <a:ext cx="9071280" cy="4384440"/>
+            <a:ext cx="9070560" cy="4383720"/>
           </a:xfrm>
           <a:prstGeom prst="rect">
             <a:avLst/>
@@ -4797,10 +4928,10 @@
         </p:style>
         <p:txBody>
           <a:bodyPr lIns="0" rIns="0" tIns="0" bIns="0">
-            <a:normAutofit/>
-          </a:bodyPr>
-          <a:p>
-            <a:pPr marL="432000" indent="-323640">
+            <a:normAutofit fontScale="61000"/>
+          </a:bodyPr>
+          <a:p>
+            <a:pPr marL="432000" indent="-322920">
               <a:lnSpc>
                 <a:spcPct val="100000"/>
               </a:lnSpc>
@@ -4816,7 +4947,11 @@
             </a:pPr>
             <a:r>
               <a:rPr b="0" lang="en-US" sz="3200" spc="-1" strike="noStrike">
+                <a:solidFill>
+                  <a:srgbClr val="000000"/>
+                </a:solidFill>
                 <a:latin typeface="Noto Sans"/>
+                <a:ea typeface="DejaVu Sans"/>
               </a:rPr>
               <a:t>Site: </a:t>
             </a:r>
@@ -4827,6 +4962,7 @@
                 </a:solidFill>
                 <a:uFillTx/>
                 <a:latin typeface="Noto Sans"/>
+                <a:ea typeface="DejaVu Sans"/>
                 <a:hlinkClick r:id="rId1"/>
               </a:rPr>
               <a:t>https://eslint.org</a:t>
@@ -4836,7 +4972,7 @@
             </a:endParaRPr>
           </a:p>
           <a:p>
-            <a:pPr marL="432000" indent="-323640">
+            <a:pPr marL="432000" indent="-322920">
               <a:lnSpc>
                 <a:spcPct val="100000"/>
               </a:lnSpc>
@@ -4853,11 +4989,22 @@
             <a:r>
               <a:rPr b="0" lang="en-US" sz="3200" spc="-1" strike="noStrike">
                 <a:solidFill>
+                  <a:srgbClr val="000000"/>
+                </a:solidFill>
+                <a:latin typeface="Noto Sans"/>
+                <a:ea typeface="DejaVu Sans"/>
+              </a:rPr>
+              <a:t>Command Line:</a:t>
+            </a:r>
+            <a:r>
+              <a:rPr b="0" lang="en-US" sz="3200" spc="-1" strike="noStrike">
+                <a:solidFill>
                   <a:srgbClr val="0000ff"/>
                 </a:solidFill>
                 <a:latin typeface="Noto Sans"/>
-              </a:rPr>
-              <a:t>CommandLine: </a:t>
+                <a:ea typeface="DejaVu Sans"/>
+              </a:rPr>
+              <a:t> </a:t>
             </a:r>
             <a:r>
               <a:rPr b="0" lang="en-US" sz="3200" spc="-1" strike="noStrike" u="sng">
@@ -4866,6 +5013,7 @@
                 </a:solidFill>
                 <a:uFillTx/>
                 <a:latin typeface="Noto Sans"/>
+                <a:ea typeface="DejaVu Sans"/>
                 <a:hlinkClick r:id="rId2"/>
               </a:rPr>
               <a:t>https://eslint.org/docs/user-guide/command-line-interface</a:t>
@@ -4875,7 +5023,7 @@
             </a:endParaRPr>
           </a:p>
           <a:p>
-            <a:pPr marL="432000" indent="-323640">
+            <a:pPr marL="432000" indent="-322920">
               <a:lnSpc>
                 <a:spcPct val="100000"/>
               </a:lnSpc>
@@ -4892,11 +5040,22 @@
             <a:r>
               <a:rPr b="0" lang="en-US" sz="3200" spc="-1" strike="noStrike">
                 <a:solidFill>
+                  <a:srgbClr val="000000"/>
+                </a:solidFill>
+                <a:latin typeface="Noto Sans"/>
+                <a:ea typeface="DejaVu Sans"/>
+              </a:rPr>
+              <a:t>Rules:</a:t>
+            </a:r>
+            <a:r>
+              <a:rPr b="0" lang="en-US" sz="3200" spc="-1" strike="noStrike">
+                <a:solidFill>
                   <a:srgbClr val="0000ff"/>
                 </a:solidFill>
                 <a:latin typeface="Noto Sans"/>
-              </a:rPr>
-              <a:t>Rules: </a:t>
+                <a:ea typeface="DejaVu Sans"/>
+              </a:rPr>
+              <a:t> </a:t>
             </a:r>
             <a:r>
               <a:rPr b="0" lang="en-US" sz="3200" spc="-1" strike="noStrike" u="sng">
@@ -4905,6 +5064,7 @@
                 </a:solidFill>
                 <a:uFillTx/>
                 <a:latin typeface="Noto Sans"/>
+                <a:ea typeface="DejaVu Sans"/>
                 <a:hlinkClick r:id="rId3"/>
               </a:rPr>
               <a:t>https://eslint.org/docs/rules/</a:t>
@@ -4914,7 +5074,7 @@
             </a:endParaRPr>
           </a:p>
           <a:p>
-            <a:pPr marL="432000" indent="-323640">
+            <a:pPr marL="432000" indent="-322920">
               <a:lnSpc>
                 <a:spcPct val="100000"/>
               </a:lnSpc>
@@ -4931,11 +5091,22 @@
             <a:r>
               <a:rPr b="0" lang="en-US" sz="3200" spc="-1" strike="noStrike">
                 <a:solidFill>
+                  <a:srgbClr val="000000"/>
+                </a:solidFill>
+                <a:latin typeface="Noto Sans"/>
+                <a:ea typeface="DejaVu Sans"/>
+              </a:rPr>
+              <a:t>Tutorial:</a:t>
+            </a:r>
+            <a:r>
+              <a:rPr b="0" lang="en-US" sz="3200" spc="-1" strike="noStrike">
+                <a:solidFill>
                   <a:srgbClr val="0000ff"/>
                 </a:solidFill>
                 <a:latin typeface="Noto Sans"/>
-              </a:rPr>
-              <a:t>Tutorial: </a:t>
+                <a:ea typeface="DejaVu Sans"/>
+              </a:rPr>
+              <a:t> </a:t>
             </a:r>
             <a:r>
               <a:rPr b="0" lang="en-US" sz="3200" spc="-1" strike="noStrike" u="sng">
@@ -4944,6 +5115,7 @@
                 </a:solidFill>
                 <a:uFillTx/>
                 <a:latin typeface="Noto Sans"/>
+                <a:ea typeface="DejaVu Sans"/>
                 <a:hlinkClick r:id="rId4"/>
               </a:rPr>
               <a:t>https://flaviocopes.com/eslint/</a:t>
@@ -4953,7 +5125,7 @@
             </a:endParaRPr>
           </a:p>
           <a:p>
-            <a:pPr marL="432000" indent="-323640">
+            <a:pPr marL="432000" indent="-322920">
               <a:lnSpc>
                 <a:spcPct val="100000"/>
               </a:lnSpc>
@@ -4970,11 +5142,22 @@
             <a:r>
               <a:rPr b="0" lang="en-US" sz="3200" spc="-1" strike="noStrike">
                 <a:solidFill>
+                  <a:srgbClr val="000000"/>
+                </a:solidFill>
+                <a:latin typeface="Noto Sans"/>
+                <a:ea typeface="DejaVu Sans"/>
+              </a:rPr>
+              <a:t>AirBnB: </a:t>
+            </a:r>
+            <a:r>
+              <a:rPr b="0" lang="en-US" sz="3200" spc="-1" strike="noStrike">
+                <a:solidFill>
                   <a:srgbClr val="0000ff"/>
                 </a:solidFill>
                 <a:latin typeface="Noto Sans"/>
-              </a:rPr>
-              <a:t>AirBnB:  </a:t>
+                <a:ea typeface="DejaVu Sans"/>
+              </a:rPr>
+              <a:t> </a:t>
             </a:r>
             <a:r>
               <a:rPr b="0" lang="en-US" sz="3200" spc="-1" strike="noStrike" u="sng">
@@ -4983,10 +5166,64 @@
                 </a:solidFill>
                 <a:uFillTx/>
                 <a:latin typeface="Noto Sans"/>
+                <a:ea typeface="DejaVu Sans"/>
                 <a:hlinkClick r:id="rId5"/>
               </a:rPr>
               <a:t>https://github.com/airbnb/javascript</a:t>
             </a:r>
+            <a:endParaRPr b="0" lang="en-US" sz="3200" spc="-1" strike="noStrike">
+              <a:latin typeface="Arial"/>
+            </a:endParaRPr>
+          </a:p>
+          <a:p>
+            <a:pPr marL="432000" indent="-322920">
+              <a:lnSpc>
+                <a:spcPct val="100000"/>
+              </a:lnSpc>
+              <a:spcAft>
+                <a:spcPts val="1417"/>
+              </a:spcAft>
+              <a:buClr>
+                <a:srgbClr val="000000"/>
+              </a:buClr>
+              <a:buSzPct val="45000"/>
+              <a:buFont typeface="Wingdings" charset="2"/>
+              <a:buChar char=""/>
+            </a:pPr>
+            <a:r>
+              <a:rPr b="0" lang="en-US" sz="3200" spc="-1" strike="noStrike">
+                <a:solidFill>
+                  <a:srgbClr val="000000"/>
+                </a:solidFill>
+                <a:latin typeface="Noto Sans"/>
+                <a:ea typeface="DejaVu Sans"/>
+              </a:rPr>
+              <a:t>Source code: </a:t>
+            </a:r>
+            <a:r>
+              <a:rPr b="0" lang="en-US" sz="3200" spc="-1" strike="noStrike" u="sng">
+                <a:solidFill>
+                  <a:srgbClr val="0000ff"/>
+                </a:solidFill>
+                <a:uFillTx/>
+                <a:latin typeface="Noto Sans"/>
+                <a:ea typeface="DejaVu Sans"/>
+              </a:rPr>
+              <a:t>https://github.com/zoldello/eslint-for-beginners</a:t>
+            </a:r>
+            <a:endParaRPr b="0" lang="en-US" sz="3200" spc="-1" strike="noStrike">
+              <a:latin typeface="Arial"/>
+            </a:endParaRPr>
+          </a:p>
+          <a:p>
+            <a:pPr>
+              <a:lnSpc>
+                <a:spcPct val="100000"/>
+              </a:lnSpc>
+              <a:spcAft>
+                <a:spcPts val="1417"/>
+              </a:spcAft>
+            </a:pPr>
             <a:endParaRPr b="0" lang="en-US" sz="3200" spc="-1" strike="noStrike">
               <a:latin typeface="Arial"/>
             </a:endParaRPr>
